--- a/Hourse Price Prediction.pptx
+++ b/Hourse Price Prediction.pptx
@@ -270,6 +270,11 @@
       </a:defRPr>
     </a:lvl9pPr>
   </p:defaultTextStyle>
+  <p:extLst>
+    <p:ext uri="{EFAFB233-063F-42B5-8137-9DF3F51BA10A}">
+      <p15:sldGuideLst xmlns:p15="http://schemas.microsoft.com/office/powerpoint/2012/main"/>
+    </p:ext>
+  </p:extLst>
 </p:presentation>
 </file>
 
@@ -12870,14 +12875,6 @@
                 </a:solidFill>
               </a:rPr>
             </a:br>
-            <a:r>
-              <a:rPr lang="en-US" sz="3600" b="1" dirty="0">
-                <a:solidFill>
-                  <a:srgbClr val="0070C0"/>
-                </a:solidFill>
-              </a:rPr>
-              <a:t>-Analysis by Pandas</a:t>
-            </a:r>
             <a:endParaRPr dirty="0"/>
           </a:p>
         </p:txBody>
@@ -12890,8 +12887,8 @@
         </p:nvSpPr>
         <p:spPr>
           <a:xfrm>
-            <a:off x="2909455" y="3879273"/>
-            <a:ext cx="6691745" cy="646331"/>
+            <a:off x="3418226" y="3864603"/>
+            <a:ext cx="5647537" cy="646331"/>
           </a:xfrm>
           <a:prstGeom prst="rect">
             <a:avLst/>
@@ -12907,7 +12904,7 @@
           </a:bodyPr>
           <a:lstStyle/>
           <a:p>
-            <a:pPr marL="0" marR="0" lvl="0" indent="0" algn="l" rtl="0">
+            <a:pPr marL="0" marR="0" lvl="0" indent="0" algn="ctr" rtl="0">
               <a:spcBef>
                 <a:spcPts val="0"/>
               </a:spcBef>
@@ -12917,30 +12914,14 @@
               <a:buNone/>
             </a:pPr>
             <a:r>
-              <a:rPr lang="en-US" sz="3200" b="0" i="0" u="none" strike="noStrike" cap="none">
+              <a:rPr lang="en-US" sz="3200" b="1" dirty="0">
                 <a:solidFill>
                   <a:srgbClr val="0070C0"/>
                 </a:solidFill>
-                <a:latin typeface="Cabin"/>
-                <a:ea typeface="Cabin"/>
-                <a:cs typeface="Cabin"/>
-                <a:sym typeface="Cabin"/>
               </a:rPr>
-              <a:t>          </a:t>
+              <a:t>- Analysis by Pandas</a:t>
             </a:r>
-            <a:r>
-              <a:rPr lang="en-US" sz="3600" b="0" i="0" u="none" strike="noStrike" cap="none">
-                <a:solidFill>
-                  <a:srgbClr val="0070C0"/>
-                </a:solidFill>
-                <a:latin typeface="Cabin"/>
-                <a:ea typeface="Cabin"/>
-                <a:cs typeface="Cabin"/>
-                <a:sym typeface="Cabin"/>
-              </a:rPr>
-              <a:t>By Min Henderson</a:t>
-            </a:r>
-            <a:endParaRPr/>
+            <a:endParaRPr dirty="0"/>
           </a:p>
         </p:txBody>
       </p:sp>
